--- a/doc/weeklies/weekly_2013-11-20.pptx
+++ b/doc/weeklies/weekly_2013-11-20.pptx
@@ -5,18 +5,20 @@
     <p:sldMasterId id="2147483648" r:id="rId1"/>
   </p:sldMasterIdLst>
   <p:notesMasterIdLst>
-    <p:notesMasterId r:id="rId8"/>
+    <p:notesMasterId r:id="rId10"/>
   </p:notesMasterIdLst>
   <p:handoutMasterIdLst>
-    <p:handoutMasterId r:id="rId9"/>
+    <p:handoutMasterId r:id="rId11"/>
   </p:handoutMasterIdLst>
   <p:sldIdLst>
     <p:sldId id="256" r:id="rId2"/>
     <p:sldId id="257" r:id="rId3"/>
     <p:sldId id="258" r:id="rId4"/>
     <p:sldId id="262" r:id="rId5"/>
-    <p:sldId id="261" r:id="rId6"/>
-    <p:sldId id="260" r:id="rId7"/>
+    <p:sldId id="263" r:id="rId6"/>
+    <p:sldId id="264" r:id="rId7"/>
+    <p:sldId id="261" r:id="rId8"/>
+    <p:sldId id="260" r:id="rId9"/>
   </p:sldIdLst>
   <p:sldSz cx="9144000" cy="6858000" type="screen4x3"/>
   <p:notesSz cx="7099300" cy="10234613"/>
@@ -1158,7 +1160,7 @@
             <a:fld id="{ACE4FC23-C35A-4BE0-9EC8-825B389764BA}" type="datetime1">
               <a:rPr lang="de-DE"/>
               <a:pPr/>
-              <a:t>19.11.2013</a:t>
+              <a:t>20.11.2013</a:t>
             </a:fld>
             <a:endParaRPr lang="de-DE"/>
           </a:p>
@@ -1356,7 +1358,7 @@
             <a:fld id="{21672FC7-93DD-4957-8E72-DA07716A30A5}" type="datetime1">
               <a:rPr lang="de-DE"/>
               <a:pPr/>
-              <a:t>19.11.2013</a:t>
+              <a:t>20.11.2013</a:t>
             </a:fld>
             <a:endParaRPr lang="de-DE"/>
           </a:p>
@@ -1544,7 +1546,7 @@
             <a:fld id="{C2F53C45-80A7-42AD-9827-14C03C3E22CF}" type="datetime1">
               <a:rPr lang="de-DE"/>
               <a:pPr/>
-              <a:t>19.11.2013</a:t>
+              <a:t>20.11.2013</a:t>
             </a:fld>
             <a:endParaRPr lang="de-DE"/>
           </a:p>
@@ -1754,7 +1756,7 @@
             <a:fld id="{513F14CD-6CE3-4EAB-BB25-38E0C605982F}" type="datetime1">
               <a:rPr lang="de-DE"/>
               <a:pPr/>
-              <a:t>19.11.2013</a:t>
+              <a:t>20.11.2013</a:t>
             </a:fld>
             <a:endParaRPr lang="de-DE"/>
           </a:p>
@@ -2060,7 +2062,7 @@
             <a:fld id="{BBF1C98C-FED4-48DA-880C-2904A330CCEF}" type="datetime1">
               <a:rPr lang="de-DE"/>
               <a:pPr/>
-              <a:t>19.11.2013</a:t>
+              <a:t>20.11.2013</a:t>
             </a:fld>
             <a:endParaRPr lang="de-DE"/>
           </a:p>
@@ -2505,7 +2507,7 @@
             <a:fld id="{A33381E0-90A0-477C-909D-14B3D7B16C9D}" type="datetime1">
               <a:rPr lang="de-DE"/>
               <a:pPr/>
-              <a:t>19.11.2013</a:t>
+              <a:t>20.11.2013</a:t>
             </a:fld>
             <a:endParaRPr lang="de-DE"/>
           </a:p>
@@ -2641,7 +2643,7 @@
             <a:fld id="{054A3ACB-1038-41C6-A9FA-A317B58708B1}" type="datetime1">
               <a:rPr lang="de-DE"/>
               <a:pPr/>
-              <a:t>19.11.2013</a:t>
+              <a:t>20.11.2013</a:t>
             </a:fld>
             <a:endParaRPr lang="de-DE"/>
           </a:p>
@@ -2754,7 +2756,7 @@
             <a:fld id="{154B3A50-64C3-4863-808F-0C6B5BAF521D}" type="datetime1">
               <a:rPr lang="de-DE"/>
               <a:pPr/>
-              <a:t>19.11.2013</a:t>
+              <a:t>20.11.2013</a:t>
             </a:fld>
             <a:endParaRPr lang="de-DE"/>
           </a:p>
@@ -3049,7 +3051,7 @@
             <a:fld id="{6382AB1B-186A-46BD-9543-2677F8291C47}" type="datetime1">
               <a:rPr lang="de-DE"/>
               <a:pPr/>
-              <a:t>19.11.2013</a:t>
+              <a:t>20.11.2013</a:t>
             </a:fld>
             <a:endParaRPr lang="de-DE"/>
           </a:p>
@@ -3325,7 +3327,7 @@
             <a:fld id="{FEE80326-E79B-47A8-8CA2-EE0AB9386318}" type="datetime1">
               <a:rPr lang="de-DE"/>
               <a:pPr/>
-              <a:t>19.11.2013</a:t>
+              <a:t>20.11.2013</a:t>
             </a:fld>
             <a:endParaRPr lang="de-DE"/>
           </a:p>
@@ -3610,7 +3612,7 @@
             <a:fld id="{C50E85F7-0E7B-4479-A523-139FB82A641A}" type="datetime1">
               <a:rPr lang="de-DE"/>
               <a:pPr/>
-              <a:t>19.11.2013</a:t>
+              <a:t>20.11.2013</a:t>
             </a:fld>
             <a:endParaRPr lang="de-DE"/>
           </a:p>
@@ -4220,7 +4222,6 @@
               <a:rPr lang="de-DE" dirty="0" smtClean="0"/>
               <a:t>20.11.2013</a:t>
             </a:r>
-            <a:endParaRPr lang="de-DE" dirty="0" smtClean="0"/>
           </a:p>
         </p:txBody>
       </p:sp>
@@ -4332,7 +4333,7 @@
             <a:fld id="{C2F53C45-80A7-42AD-9827-14C03C3E22CF}" type="datetime1">
               <a:rPr lang="de-DE" smtClean="0"/>
               <a:pPr/>
-              <a:t>19.11.2013</a:t>
+              <a:t>20.11.2013</a:t>
             </a:fld>
             <a:endParaRPr lang="de-DE"/>
           </a:p>
@@ -4513,16 +4514,19 @@
           <a:p>
             <a:r>
               <a:rPr lang="de-DE" dirty="0" smtClean="0"/>
-              <a:t>laufende Unit-Tests</a:t>
-            </a:r>
+              <a:t>laufende </a:t>
+            </a:r>
+            <a:r>
+              <a:rPr lang="de-DE" dirty="0" smtClean="0"/>
+              <a:t>Unit-Tests</a:t>
+            </a:r>
+          </a:p>
+          <a:p>
             <a:endParaRPr lang="de-DE" dirty="0" smtClean="0"/>
           </a:p>
           <a:p>
             <a:endParaRPr lang="de-DE" dirty="0" smtClean="0"/>
           </a:p>
-          <a:p>
-            <a:endParaRPr lang="de-DE" dirty="0" smtClean="0"/>
-          </a:p>
         </p:txBody>
       </p:sp>
       <p:sp>
@@ -4543,7 +4547,7 @@
             <a:fld id="{C2F53C45-80A7-42AD-9827-14C03C3E22CF}" type="datetime1">
               <a:rPr lang="de-DE" smtClean="0"/>
               <a:pPr/>
-              <a:t>19.11.2013</a:t>
+              <a:t>20.11.2013</a:t>
             </a:fld>
             <a:endParaRPr lang="de-DE"/>
           </a:p>
@@ -4668,7 +4672,7 @@
             <a:fld id="{C2F53C45-80A7-42AD-9827-14C03C3E22CF}" type="datetime1">
               <a:rPr lang="de-DE" smtClean="0"/>
               <a:pPr/>
-              <a:t>19.11.2013</a:t>
+              <a:t>20.11.2013</a:t>
             </a:fld>
             <a:endParaRPr lang="de-DE"/>
           </a:p>
@@ -4781,12 +4785,12 @@
       </p:grpSpPr>
       <p:sp>
         <p:nvSpPr>
-          <p:cNvPr id="2" name="Titel 1"/>
+          <p:cNvPr id="2" name="Datumsplatzhalter 1"/>
           <p:cNvSpPr>
             <a:spLocks noGrp="1"/>
           </p:cNvSpPr>
           <p:nvPr>
-            <p:ph type="title"/>
+            <p:ph type="dt" sz="half" idx="10"/>
           </p:nvPr>
         </p:nvSpPr>
         <p:spPr/>
@@ -4794,22 +4798,23 @@
           <a:bodyPr/>
           <a:lstStyle/>
           <a:p>
-            <a:r>
-              <a:rPr lang="de-DE" dirty="0" smtClean="0"/>
-              <a:t>Fragen</a:t>
-            </a:r>
-            <a:endParaRPr lang="de-DE" dirty="0"/>
-          </a:p>
-        </p:txBody>
-      </p:sp>
-      <p:sp>
-        <p:nvSpPr>
-          <p:cNvPr id="3" name="Inhaltsplatzhalter 2"/>
+            <a:fld id="{154B3A50-64C3-4863-808F-0C6B5BAF521D}" type="datetime1">
+              <a:rPr lang="de-DE" smtClean="0"/>
+              <a:pPr/>
+              <a:t>20.11.2013</a:t>
+            </a:fld>
+            <a:endParaRPr lang="de-DE"/>
+          </a:p>
+        </p:txBody>
+      </p:sp>
+      <p:sp>
+        <p:nvSpPr>
+          <p:cNvPr id="3" name="Fußzeilenplatzhalter 2"/>
           <p:cNvSpPr>
             <a:spLocks noGrp="1"/>
           </p:cNvSpPr>
           <p:nvPr>
-            <p:ph idx="1"/>
+            <p:ph type="ftr" sz="quarter" idx="11"/>
           </p:nvPr>
         </p:nvSpPr>
         <p:spPr/>
@@ -4818,74 +4823,21 @@
           <a:lstStyle/>
           <a:p>
             <a:r>
-              <a:rPr lang="de-DE" dirty="0" smtClean="0"/>
-              <a:t>Powerpoint?</a:t>
-            </a:r>
-          </a:p>
-          <a:p>
-            <a:r>
-              <a:rPr lang="de-DE" dirty="0" smtClean="0"/>
-              <a:t>Was benötigt Luc für Visualisierungen?</a:t>
-            </a:r>
-          </a:p>
-          <a:p>
-            <a:pPr lvl="1"/>
-            <a:r>
-              <a:rPr lang="de-DE" dirty="0" err="1" smtClean="0"/>
-              <a:t>git</a:t>
-            </a:r>
-            <a:r>
-              <a:rPr lang="de-DE" dirty="0" smtClean="0"/>
-              <a:t> Zugang</a:t>
-            </a:r>
-          </a:p>
-          <a:p>
-            <a:pPr lvl="1"/>
-            <a:r>
-              <a:rPr lang="de-DE" dirty="0" smtClean="0"/>
-              <a:t>API Ansprüche?</a:t>
-            </a:r>
-          </a:p>
-          <a:p>
-            <a:r>
-              <a:rPr lang="de-DE" dirty="0" smtClean="0"/>
-              <a:t>Arten von Transformationen</a:t>
-            </a:r>
-          </a:p>
-          <a:p>
-            <a:pPr lvl="1"/>
-            <a:r>
-              <a:rPr lang="de-DE" dirty="0" smtClean="0"/>
-              <a:t>BOOGGIE „Funktion“</a:t>
-            </a:r>
-          </a:p>
-          <a:p>
-            <a:pPr lvl="2"/>
-            <a:r>
-              <a:rPr lang="de-DE" dirty="0" smtClean="0"/>
-              <a:t>Abbildung als einzelner Knoten in PSIFF-M2 oder</a:t>
-            </a:r>
-          </a:p>
-          <a:p>
-            <a:pPr lvl="2"/>
-            <a:r>
-              <a:rPr lang="de-DE" dirty="0" smtClean="0"/>
-              <a:t>Abbildung als drei Knoten, zwei Kanten in PSIFF-M2?</a:t>
-            </a:r>
-          </a:p>
-          <a:p>
-            <a:endParaRPr lang="de-DE" dirty="0"/>
-          </a:p>
-        </p:txBody>
-      </p:sp>
-      <p:sp>
-        <p:nvSpPr>
-          <p:cNvPr id="4" name="Datumsplatzhalter 3"/>
+              <a:rPr lang="de-DE" smtClean="0"/>
+              <a:t>&lt;Footer&gt;</a:t>
+            </a:r>
+            <a:endParaRPr lang="de-DE"/>
+          </a:p>
+        </p:txBody>
+      </p:sp>
+      <p:sp>
+        <p:nvSpPr>
+          <p:cNvPr id="4" name="Foliennummernplatzhalter 3"/>
           <p:cNvSpPr>
             <a:spLocks noGrp="1"/>
           </p:cNvSpPr>
           <p:nvPr>
-            <p:ph type="dt" sz="half" idx="10"/>
+            <p:ph type="sldNum" sz="quarter" idx="12"/>
           </p:nvPr>
         </p:nvSpPr>
         <p:spPr/>
@@ -4893,54 +4845,7 @@
           <a:bodyPr/>
           <a:lstStyle/>
           <a:p>
-            <a:fld id="{C2F53C45-80A7-42AD-9827-14C03C3E22CF}" type="datetime1">
-              <a:rPr lang="de-DE" smtClean="0"/>
-              <a:pPr/>
-              <a:t>19.11.2013</a:t>
-            </a:fld>
-            <a:endParaRPr lang="de-DE"/>
-          </a:p>
-        </p:txBody>
-      </p:sp>
-      <p:sp>
-        <p:nvSpPr>
-          <p:cNvPr id="5" name="Fußzeilenplatzhalter 4"/>
-          <p:cNvSpPr>
-            <a:spLocks noGrp="1"/>
-          </p:cNvSpPr>
-          <p:nvPr>
-            <p:ph type="ftr" sz="quarter" idx="11"/>
-          </p:nvPr>
-        </p:nvSpPr>
-        <p:spPr/>
-        <p:txBody>
-          <a:bodyPr/>
-          <a:lstStyle/>
-          <a:p>
-            <a:r>
-              <a:rPr lang="de-DE" smtClean="0"/>
-              <a:t>&lt;Footer&gt;</a:t>
-            </a:r>
-            <a:endParaRPr lang="de-DE"/>
-          </a:p>
-        </p:txBody>
-      </p:sp>
-      <p:sp>
-        <p:nvSpPr>
-          <p:cNvPr id="6" name="Foliennummernplatzhalter 5"/>
-          <p:cNvSpPr>
-            <a:spLocks noGrp="1"/>
-          </p:cNvSpPr>
-          <p:nvPr>
-            <p:ph type="sldNum" sz="quarter" idx="12"/>
-          </p:nvPr>
-        </p:nvSpPr>
-        <p:spPr/>
-        <p:txBody>
-          <a:bodyPr/>
-          <a:lstStyle/>
-          <a:p>
-            <a:fld id="{3CB3C49A-EA8B-4220-9594-C4EC81BC1355}" type="slidenum">
+            <a:fld id="{CF507ADA-6B77-4461-AB4D-4B7CC72EF54A}" type="slidenum">
               <a:rPr lang="de-DE" smtClean="0"/>
               <a:pPr/>
               <a:t>5</a:t>
@@ -4949,6 +4854,32 @@
           </a:p>
         </p:txBody>
       </p:sp>
+      <p:pic>
+        <p:nvPicPr>
+          <p:cNvPr id="1026" name="Picture 2" descr="C:\Users\hazard\git\idp\pssif\pssif.core\src\main\java\de\tum\pssif\core\model\model.png"/>
+          <p:cNvPicPr>
+            <a:picLocks noChangeAspect="1" noChangeArrowheads="1"/>
+          </p:cNvPicPr>
+          <p:nvPr/>
+        </p:nvPicPr>
+        <p:blipFill>
+          <a:blip r:embed="rId2" cstate="print"/>
+          <a:srcRect/>
+          <a:stretch>
+            <a:fillRect/>
+          </a:stretch>
+        </p:blipFill>
+        <p:spPr bwMode="auto">
+          <a:xfrm>
+            <a:off x="1747837" y="2105025"/>
+            <a:ext cx="5648325" cy="2647950"/>
+          </a:xfrm>
+          <a:prstGeom prst="rect">
+            <a:avLst/>
+          </a:prstGeom>
+          <a:noFill/>
+        </p:spPr>
+      </p:pic>
     </p:spTree>
   </p:cSld>
   <p:clrMapOvr>
@@ -4998,6 +4929,381 @@
           <a:p>
             <a:r>
               <a:rPr lang="de-DE" dirty="0" smtClean="0"/>
+              <a:t>Ergebnisse</a:t>
+            </a:r>
+            <a:endParaRPr lang="de-DE" dirty="0"/>
+          </a:p>
+        </p:txBody>
+      </p:sp>
+      <p:sp>
+        <p:nvSpPr>
+          <p:cNvPr id="3" name="Inhaltsplatzhalter 2"/>
+          <p:cNvSpPr>
+            <a:spLocks noGrp="1"/>
+          </p:cNvSpPr>
+          <p:nvPr>
+            <p:ph idx="1"/>
+          </p:nvPr>
+        </p:nvSpPr>
+        <p:spPr/>
+        <p:txBody>
+          <a:bodyPr/>
+          <a:lstStyle/>
+          <a:p>
+            <a:r>
+              <a:rPr lang="de-DE" dirty="0" smtClean="0"/>
+              <a:t>Powerpoint-Analyse: keine sinnvoll interpretierbare abstrakte </a:t>
+            </a:r>
+            <a:r>
+              <a:rPr lang="de-DE" dirty="0" smtClean="0"/>
+              <a:t>Syntax</a:t>
+            </a:r>
+            <a:endParaRPr lang="de-DE" dirty="0" smtClean="0"/>
+          </a:p>
+        </p:txBody>
+      </p:sp>
+      <p:sp>
+        <p:nvSpPr>
+          <p:cNvPr id="4" name="Datumsplatzhalter 3"/>
+          <p:cNvSpPr>
+            <a:spLocks noGrp="1"/>
+          </p:cNvSpPr>
+          <p:nvPr>
+            <p:ph type="dt" sz="half" idx="10"/>
+          </p:nvPr>
+        </p:nvSpPr>
+        <p:spPr/>
+        <p:txBody>
+          <a:bodyPr/>
+          <a:lstStyle/>
+          <a:p>
+            <a:fld id="{C2F53C45-80A7-42AD-9827-14C03C3E22CF}" type="datetime1">
+              <a:rPr lang="de-DE" smtClean="0"/>
+              <a:pPr/>
+              <a:t>20.11.2013</a:t>
+            </a:fld>
+            <a:endParaRPr lang="de-DE"/>
+          </a:p>
+        </p:txBody>
+      </p:sp>
+      <p:sp>
+        <p:nvSpPr>
+          <p:cNvPr id="5" name="Fußzeilenplatzhalter 4"/>
+          <p:cNvSpPr>
+            <a:spLocks noGrp="1"/>
+          </p:cNvSpPr>
+          <p:nvPr>
+            <p:ph type="ftr" sz="quarter" idx="11"/>
+          </p:nvPr>
+        </p:nvSpPr>
+        <p:spPr/>
+        <p:txBody>
+          <a:bodyPr/>
+          <a:lstStyle/>
+          <a:p>
+            <a:r>
+              <a:rPr lang="de-DE" smtClean="0"/>
+              <a:t>&lt;Footer&gt;</a:t>
+            </a:r>
+            <a:endParaRPr lang="de-DE"/>
+          </a:p>
+        </p:txBody>
+      </p:sp>
+      <p:sp>
+        <p:nvSpPr>
+          <p:cNvPr id="6" name="Foliennummernplatzhalter 5"/>
+          <p:cNvSpPr>
+            <a:spLocks noGrp="1"/>
+          </p:cNvSpPr>
+          <p:nvPr>
+            <p:ph type="sldNum" sz="quarter" idx="12"/>
+          </p:nvPr>
+        </p:nvSpPr>
+        <p:spPr/>
+        <p:txBody>
+          <a:bodyPr/>
+          <a:lstStyle/>
+          <a:p>
+            <a:fld id="{3CB3C49A-EA8B-4220-9594-C4EC81BC1355}" type="slidenum">
+              <a:rPr lang="de-DE" smtClean="0"/>
+              <a:pPr/>
+              <a:t>6</a:t>
+            </a:fld>
+            <a:endParaRPr lang="de-DE"/>
+          </a:p>
+        </p:txBody>
+      </p:sp>
+    </p:spTree>
+  </p:cSld>
+  <p:clrMapOvr>
+    <a:masterClrMapping/>
+  </p:clrMapOvr>
+  <p:timing>
+    <p:tnLst>
+      <p:par>
+        <p:cTn id="1" dur="indefinite" restart="never" nodeType="tmRoot"/>
+      </p:par>
+    </p:tnLst>
+  </p:timing>
+</p:sld>
+</file>
+
+<file path=ppt/slides/slide7.xml><?xml version="1.0" encoding="utf-8"?>
+<p:sld xmlns:a="http://schemas.openxmlformats.org/drawingml/2006/main" xmlns:r="http://schemas.openxmlformats.org/officeDocument/2006/relationships" xmlns:p="http://schemas.openxmlformats.org/presentationml/2006/main">
+  <p:cSld>
+    <p:spTree>
+      <p:nvGrpSpPr>
+        <p:cNvPr id="1" name=""/>
+        <p:cNvGrpSpPr/>
+        <p:nvPr/>
+      </p:nvGrpSpPr>
+      <p:grpSpPr>
+        <a:xfrm>
+          <a:off x="0" y="0"/>
+          <a:ext cx="0" cy="0"/>
+          <a:chOff x="0" y="0"/>
+          <a:chExt cx="0" cy="0"/>
+        </a:xfrm>
+      </p:grpSpPr>
+      <p:sp>
+        <p:nvSpPr>
+          <p:cNvPr id="2" name="Titel 1"/>
+          <p:cNvSpPr>
+            <a:spLocks noGrp="1"/>
+          </p:cNvSpPr>
+          <p:nvPr>
+            <p:ph type="title"/>
+          </p:nvPr>
+        </p:nvSpPr>
+        <p:spPr/>
+        <p:txBody>
+          <a:bodyPr/>
+          <a:lstStyle/>
+          <a:p>
+            <a:r>
+              <a:rPr lang="de-DE" dirty="0" smtClean="0"/>
+              <a:t>Fragen</a:t>
+            </a:r>
+            <a:endParaRPr lang="de-DE" dirty="0"/>
+          </a:p>
+        </p:txBody>
+      </p:sp>
+      <p:sp>
+        <p:nvSpPr>
+          <p:cNvPr id="3" name="Inhaltsplatzhalter 2"/>
+          <p:cNvSpPr>
+            <a:spLocks noGrp="1"/>
+          </p:cNvSpPr>
+          <p:nvPr>
+            <p:ph idx="1"/>
+          </p:nvPr>
+        </p:nvSpPr>
+        <p:spPr/>
+        <p:txBody>
+          <a:bodyPr/>
+          <a:lstStyle/>
+          <a:p>
+            <a:r>
+              <a:rPr lang="de-DE" dirty="0" smtClean="0"/>
+              <a:t>Powerpoint?</a:t>
+            </a:r>
+          </a:p>
+          <a:p>
+            <a:r>
+              <a:rPr lang="de-DE" dirty="0" smtClean="0"/>
+              <a:t>Was benötigt Luc für Visualisierungen?</a:t>
+            </a:r>
+          </a:p>
+          <a:p>
+            <a:pPr lvl="1"/>
+            <a:r>
+              <a:rPr lang="de-DE" dirty="0" err="1" smtClean="0"/>
+              <a:t>git</a:t>
+            </a:r>
+            <a:r>
+              <a:rPr lang="de-DE" dirty="0" smtClean="0"/>
+              <a:t> Zugang</a:t>
+            </a:r>
+          </a:p>
+          <a:p>
+            <a:pPr lvl="1"/>
+            <a:r>
+              <a:rPr lang="de-DE" dirty="0" smtClean="0"/>
+              <a:t>API Ansprüche?</a:t>
+            </a:r>
+          </a:p>
+          <a:p>
+            <a:r>
+              <a:rPr lang="de-DE" dirty="0" smtClean="0"/>
+              <a:t>Arten von Transformationen</a:t>
+            </a:r>
+          </a:p>
+          <a:p>
+            <a:pPr lvl="1"/>
+            <a:r>
+              <a:rPr lang="de-DE" dirty="0" smtClean="0"/>
+              <a:t>BOOGGIE „Funktion“</a:t>
+            </a:r>
+          </a:p>
+          <a:p>
+            <a:pPr lvl="2"/>
+            <a:r>
+              <a:rPr lang="de-DE" dirty="0" smtClean="0"/>
+              <a:t>Abbildung als einzelner Knoten in </a:t>
+            </a:r>
+            <a:r>
+              <a:rPr lang="de-DE" dirty="0" smtClean="0"/>
+              <a:t>PSSIF-M2 </a:t>
+            </a:r>
+            <a:r>
+              <a:rPr lang="de-DE" dirty="0" smtClean="0"/>
+              <a:t>oder</a:t>
+            </a:r>
+          </a:p>
+          <a:p>
+            <a:pPr lvl="2"/>
+            <a:r>
+              <a:rPr lang="de-DE" dirty="0" smtClean="0"/>
+              <a:t>Abbildung als drei Knoten, zwei Kanten </a:t>
+            </a:r>
+            <a:r>
+              <a:rPr lang="de-DE" smtClean="0"/>
+              <a:t>in </a:t>
+            </a:r>
+            <a:r>
+              <a:rPr lang="de-DE" smtClean="0"/>
+              <a:t>PSSIF-M2</a:t>
+            </a:r>
+            <a:r>
+              <a:rPr lang="de-DE" dirty="0" smtClean="0"/>
+              <a:t>?</a:t>
+            </a:r>
+          </a:p>
+          <a:p>
+            <a:endParaRPr lang="de-DE" dirty="0"/>
+          </a:p>
+        </p:txBody>
+      </p:sp>
+      <p:sp>
+        <p:nvSpPr>
+          <p:cNvPr id="4" name="Datumsplatzhalter 3"/>
+          <p:cNvSpPr>
+            <a:spLocks noGrp="1"/>
+          </p:cNvSpPr>
+          <p:nvPr>
+            <p:ph type="dt" sz="half" idx="10"/>
+          </p:nvPr>
+        </p:nvSpPr>
+        <p:spPr/>
+        <p:txBody>
+          <a:bodyPr/>
+          <a:lstStyle/>
+          <a:p>
+            <a:fld id="{C2F53C45-80A7-42AD-9827-14C03C3E22CF}" type="datetime1">
+              <a:rPr lang="de-DE" smtClean="0"/>
+              <a:pPr/>
+              <a:t>20.11.2013</a:t>
+            </a:fld>
+            <a:endParaRPr lang="de-DE"/>
+          </a:p>
+        </p:txBody>
+      </p:sp>
+      <p:sp>
+        <p:nvSpPr>
+          <p:cNvPr id="5" name="Fußzeilenplatzhalter 4"/>
+          <p:cNvSpPr>
+            <a:spLocks noGrp="1"/>
+          </p:cNvSpPr>
+          <p:nvPr>
+            <p:ph type="ftr" sz="quarter" idx="11"/>
+          </p:nvPr>
+        </p:nvSpPr>
+        <p:spPr/>
+        <p:txBody>
+          <a:bodyPr/>
+          <a:lstStyle/>
+          <a:p>
+            <a:r>
+              <a:rPr lang="de-DE" smtClean="0"/>
+              <a:t>&lt;Footer&gt;</a:t>
+            </a:r>
+            <a:endParaRPr lang="de-DE"/>
+          </a:p>
+        </p:txBody>
+      </p:sp>
+      <p:sp>
+        <p:nvSpPr>
+          <p:cNvPr id="6" name="Foliennummernplatzhalter 5"/>
+          <p:cNvSpPr>
+            <a:spLocks noGrp="1"/>
+          </p:cNvSpPr>
+          <p:nvPr>
+            <p:ph type="sldNum" sz="quarter" idx="12"/>
+          </p:nvPr>
+        </p:nvSpPr>
+        <p:spPr/>
+        <p:txBody>
+          <a:bodyPr/>
+          <a:lstStyle/>
+          <a:p>
+            <a:fld id="{3CB3C49A-EA8B-4220-9594-C4EC81BC1355}" type="slidenum">
+              <a:rPr lang="de-DE" smtClean="0"/>
+              <a:pPr/>
+              <a:t>7</a:t>
+            </a:fld>
+            <a:endParaRPr lang="de-DE"/>
+          </a:p>
+        </p:txBody>
+      </p:sp>
+    </p:spTree>
+  </p:cSld>
+  <p:clrMapOvr>
+    <a:masterClrMapping/>
+  </p:clrMapOvr>
+  <p:timing>
+    <p:tnLst>
+      <p:par>
+        <p:cTn id="1" dur="indefinite" restart="never" nodeType="tmRoot"/>
+      </p:par>
+    </p:tnLst>
+  </p:timing>
+</p:sld>
+</file>
+
+<file path=ppt/slides/slide8.xml><?xml version="1.0" encoding="utf-8"?>
+<p:sld xmlns:a="http://schemas.openxmlformats.org/drawingml/2006/main" xmlns:r="http://schemas.openxmlformats.org/officeDocument/2006/relationships" xmlns:p="http://schemas.openxmlformats.org/presentationml/2006/main">
+  <p:cSld>
+    <p:spTree>
+      <p:nvGrpSpPr>
+        <p:cNvPr id="1" name=""/>
+        <p:cNvGrpSpPr/>
+        <p:nvPr/>
+      </p:nvGrpSpPr>
+      <p:grpSpPr>
+        <a:xfrm>
+          <a:off x="0" y="0"/>
+          <a:ext cx="0" cy="0"/>
+          <a:chOff x="0" y="0"/>
+          <a:chExt cx="0" cy="0"/>
+        </a:xfrm>
+      </p:grpSpPr>
+      <p:sp>
+        <p:nvSpPr>
+          <p:cNvPr id="2" name="Titel 1"/>
+          <p:cNvSpPr>
+            <a:spLocks noGrp="1"/>
+          </p:cNvSpPr>
+          <p:nvPr>
+            <p:ph type="title"/>
+          </p:nvPr>
+        </p:nvSpPr>
+        <p:spPr/>
+        <p:txBody>
+          <a:bodyPr/>
+          <a:lstStyle/>
+          <a:p>
+            <a:r>
+              <a:rPr lang="de-DE" dirty="0" smtClean="0"/>
               <a:t>Weiteres Vorgehen</a:t>
             </a:r>
             <a:endParaRPr lang="de-DE" dirty="0"/>
@@ -5030,18 +5336,12 @@
               <a:rPr lang="de-DE" dirty="0" smtClean="0"/>
               <a:t>Attribute werden vererbt</a:t>
             </a:r>
-            <a:endParaRPr lang="de-DE" dirty="0" smtClean="0"/>
           </a:p>
           <a:p>
             <a:r>
               <a:rPr lang="de-DE" dirty="0" smtClean="0"/>
-              <a:t>Keine Vererbung von Attribut </a:t>
-            </a:r>
-            <a:r>
-              <a:rPr lang="de-DE" dirty="0" smtClean="0"/>
-              <a:t>Typen</a:t>
-            </a:r>
-            <a:endParaRPr lang="de-DE" dirty="0" smtClean="0"/>
+              <a:t>Keine Vererbung von Attribut Typen</a:t>
+            </a:r>
           </a:p>
           <a:p>
             <a:r>
@@ -5052,23 +5352,14 @@
           <a:p>
             <a:r>
               <a:rPr lang="de-DE" dirty="0" smtClean="0"/>
-              <a:t>Konzeption </a:t>
-            </a:r>
+              <a:t>Konzeption der Umsetzung von Transformationsregeln</a:t>
+            </a:r>
+          </a:p>
+          <a:p>
             <a:r>
               <a:rPr lang="de-DE" dirty="0" smtClean="0"/>
-              <a:t>der Umsetzung von Transformationsregeln</a:t>
-            </a:r>
-          </a:p>
-          <a:p>
-            <a:r>
-              <a:rPr lang="de-DE" dirty="0" smtClean="0"/>
-              <a:t>Abbildung DSLs auf </a:t>
-            </a:r>
-            <a:r>
-              <a:rPr lang="de-DE" dirty="0" smtClean="0"/>
-              <a:t>PSSIF-M2</a:t>
-            </a:r>
-            <a:endParaRPr lang="de-DE" dirty="0" smtClean="0"/>
+              <a:t>Abbildung DSLs auf PSSIF-M2</a:t>
+            </a:r>
           </a:p>
         </p:txBody>
       </p:sp>
@@ -5090,7 +5381,7 @@
             <a:fld id="{C2F53C45-80A7-42AD-9827-14C03C3E22CF}" type="datetime1">
               <a:rPr lang="de-DE" smtClean="0"/>
               <a:pPr/>
-              <a:t>19.11.2013</a:t>
+              <a:t>20.11.2013</a:t>
             </a:fld>
             <a:endParaRPr lang="de-DE"/>
           </a:p>
@@ -5137,7 +5428,7 @@
             <a:fld id="{3CB3C49A-EA8B-4220-9594-C4EC81BC1355}" type="slidenum">
               <a:rPr lang="de-DE" smtClean="0"/>
               <a:pPr/>
-              <a:t>6</a:t>
+              <a:t>8</a:t>
             </a:fld>
             <a:endParaRPr lang="de-DE"/>
           </a:p>
